--- a/Figures.pptx
+++ b/Figures.pptx
@@ -6754,7 +6754,7 @@
         <p:spPr bwMode="auto">
           <a:xfrm>
             <a:off x="6048267" y="1533030"/>
-            <a:ext cx="2638533" cy="998711"/>
+            <a:ext cx="2304767" cy="998711"/>
           </a:xfrm>
           <a:custGeom>
             <a:avLst/>
